--- a/MicroPython.pptx
+++ b/MicroPython.pptx
@@ -21,6 +21,15 @@
     <p:sldId id="271" r:id="rId18"/>
     <p:sldId id="272" r:id="rId19"/>
     <p:sldId id="273" r:id="rId20"/>
+    <p:sldId id="274" r:id="rId21"/>
+    <p:sldId id="275" r:id="rId22"/>
+    <p:sldId id="276" r:id="rId23"/>
+    <p:sldId id="277" r:id="rId24"/>
+    <p:sldId id="278" r:id="rId25"/>
+    <p:sldId id="279" r:id="rId26"/>
+    <p:sldId id="280" r:id="rId27"/>
+    <p:sldId id="281" r:id="rId28"/>
+    <p:sldId id="282" r:id="rId29"/>
   </p:sldIdLst>
   <p:sldSz cx="12192000" cy="6858000"/>
   <p:notesSz cx="6858000" cy="9144000"/>
@@ -1189,7 +1198,7 @@
           <a:p>
             <a:fld id="{68E74BBC-74E9-41F3-85CB-39C0C63125F1}" type="datetimeFigureOut">
               <a:rPr lang="en-NL" smtClean="0"/>
-              <a:t>06/11/2019</a:t>
+              <a:t>13/11/2019</a:t>
             </a:fld>
             <a:endParaRPr lang="en-NL"/>
           </a:p>
@@ -1389,7 +1398,7 @@
           <a:p>
             <a:fld id="{68E74BBC-74E9-41F3-85CB-39C0C63125F1}" type="datetimeFigureOut">
               <a:rPr lang="en-NL" smtClean="0"/>
-              <a:t>06/11/2019</a:t>
+              <a:t>13/11/2019</a:t>
             </a:fld>
             <a:endParaRPr lang="en-NL"/>
           </a:p>
@@ -1599,7 +1608,7 @@
           <a:p>
             <a:fld id="{68E74BBC-74E9-41F3-85CB-39C0C63125F1}" type="datetimeFigureOut">
               <a:rPr lang="en-NL" smtClean="0"/>
-              <a:t>06/11/2019</a:t>
+              <a:t>13/11/2019</a:t>
             </a:fld>
             <a:endParaRPr lang="en-NL"/>
           </a:p>
@@ -1799,7 +1808,7 @@
           <a:p>
             <a:fld id="{68E74BBC-74E9-41F3-85CB-39C0C63125F1}" type="datetimeFigureOut">
               <a:rPr lang="en-NL" smtClean="0"/>
-              <a:t>06/11/2019</a:t>
+              <a:t>13/11/2019</a:t>
             </a:fld>
             <a:endParaRPr lang="en-NL"/>
           </a:p>
@@ -2075,7 +2084,7 @@
           <a:p>
             <a:fld id="{68E74BBC-74E9-41F3-85CB-39C0C63125F1}" type="datetimeFigureOut">
               <a:rPr lang="en-NL" smtClean="0"/>
-              <a:t>06/11/2019</a:t>
+              <a:t>13/11/2019</a:t>
             </a:fld>
             <a:endParaRPr lang="en-NL"/>
           </a:p>
@@ -2343,7 +2352,7 @@
           <a:p>
             <a:fld id="{68E74BBC-74E9-41F3-85CB-39C0C63125F1}" type="datetimeFigureOut">
               <a:rPr lang="en-NL" smtClean="0"/>
-              <a:t>06/11/2019</a:t>
+              <a:t>13/11/2019</a:t>
             </a:fld>
             <a:endParaRPr lang="en-NL"/>
           </a:p>
@@ -2758,7 +2767,7 @@
           <a:p>
             <a:fld id="{68E74BBC-74E9-41F3-85CB-39C0C63125F1}" type="datetimeFigureOut">
               <a:rPr lang="en-NL" smtClean="0"/>
-              <a:t>06/11/2019</a:t>
+              <a:t>13/11/2019</a:t>
             </a:fld>
             <a:endParaRPr lang="en-NL"/>
           </a:p>
@@ -2900,7 +2909,7 @@
           <a:p>
             <a:fld id="{68E74BBC-74E9-41F3-85CB-39C0C63125F1}" type="datetimeFigureOut">
               <a:rPr lang="en-NL" smtClean="0"/>
-              <a:t>06/11/2019</a:t>
+              <a:t>13/11/2019</a:t>
             </a:fld>
             <a:endParaRPr lang="en-NL"/>
           </a:p>
@@ -3013,7 +3022,7 @@
           <a:p>
             <a:fld id="{68E74BBC-74E9-41F3-85CB-39C0C63125F1}" type="datetimeFigureOut">
               <a:rPr lang="en-NL" smtClean="0"/>
-              <a:t>06/11/2019</a:t>
+              <a:t>13/11/2019</a:t>
             </a:fld>
             <a:endParaRPr lang="en-NL"/>
           </a:p>
@@ -3326,7 +3335,7 @@
           <a:p>
             <a:fld id="{68E74BBC-74E9-41F3-85CB-39C0C63125F1}" type="datetimeFigureOut">
               <a:rPr lang="en-NL" smtClean="0"/>
-              <a:t>06/11/2019</a:t>
+              <a:t>13/11/2019</a:t>
             </a:fld>
             <a:endParaRPr lang="en-NL"/>
           </a:p>
@@ -3615,7 +3624,7 @@
           <a:p>
             <a:fld id="{68E74BBC-74E9-41F3-85CB-39C0C63125F1}" type="datetimeFigureOut">
               <a:rPr lang="en-NL" smtClean="0"/>
-              <a:t>06/11/2019</a:t>
+              <a:t>13/11/2019</a:t>
             </a:fld>
             <a:endParaRPr lang="en-NL"/>
           </a:p>
@@ -3858,7 +3867,7 @@
           <a:p>
             <a:fld id="{68E74BBC-74E9-41F3-85CB-39C0C63125F1}" type="datetimeFigureOut">
               <a:rPr lang="en-NL" smtClean="0"/>
-              <a:t>06/11/2019</a:t>
+              <a:t>13/11/2019</a:t>
             </a:fld>
             <a:endParaRPr lang="en-NL"/>
           </a:p>
@@ -9217,6 +9226,540 @@
 </p:sld>
 </file>
 
+<file path=ppt/slides/slide17.xml><?xml version="1.0" encoding="utf-8"?>
+<p:sld xmlns:a="http://schemas.openxmlformats.org/drawingml/2006/main" xmlns:r="http://schemas.openxmlformats.org/officeDocument/2006/relationships" xmlns:p="http://schemas.openxmlformats.org/presentationml/2006/main">
+  <p:cSld>
+    <p:spTree>
+      <p:nvGrpSpPr>
+        <p:cNvPr id="1" name=""/>
+        <p:cNvGrpSpPr/>
+        <p:nvPr/>
+      </p:nvGrpSpPr>
+      <p:grpSpPr>
+        <a:xfrm>
+          <a:off x="0" y="0"/>
+          <a:ext cx="0" cy="0"/>
+          <a:chOff x="0" y="0"/>
+          <a:chExt cx="0" cy="0"/>
+        </a:xfrm>
+      </p:grpSpPr>
+      <p:sp>
+        <p:nvSpPr>
+          <p:cNvPr id="2" name="Title 1">
+            <a:extLst>
+              <a:ext uri="{FF2B5EF4-FFF2-40B4-BE49-F238E27FC236}">
+                <a16:creationId xmlns:a16="http://schemas.microsoft.com/office/drawing/2014/main" id="{5073882C-B3E8-4682-822C-849BBBFD503B}"/>
+              </a:ext>
+            </a:extLst>
+          </p:cNvPr>
+          <p:cNvSpPr>
+            <a:spLocks noGrp="1"/>
+          </p:cNvSpPr>
+          <p:nvPr>
+            <p:ph type="title"/>
+          </p:nvPr>
+        </p:nvSpPr>
+        <p:spPr/>
+        <p:txBody>
+          <a:bodyPr/>
+          <a:lstStyle/>
+          <a:p>
+            <a:r>
+              <a:rPr lang="en-US" dirty="0"/>
+              <a:t>Start-up sequence</a:t>
+            </a:r>
+            <a:endParaRPr lang="en-NL" dirty="0"/>
+          </a:p>
+        </p:txBody>
+      </p:sp>
+      <p:sp>
+        <p:nvSpPr>
+          <p:cNvPr id="3" name="Content Placeholder 2">
+            <a:extLst>
+              <a:ext uri="{FF2B5EF4-FFF2-40B4-BE49-F238E27FC236}">
+                <a16:creationId xmlns:a16="http://schemas.microsoft.com/office/drawing/2014/main" id="{A66EBAB9-8AF4-4E04-9E37-24CD7DF5BDFE}"/>
+              </a:ext>
+            </a:extLst>
+          </p:cNvPr>
+          <p:cNvSpPr>
+            <a:spLocks noGrp="1"/>
+          </p:cNvSpPr>
+          <p:nvPr>
+            <p:ph idx="1"/>
+          </p:nvPr>
+        </p:nvSpPr>
+        <p:spPr/>
+        <p:txBody>
+          <a:bodyPr/>
+          <a:lstStyle/>
+          <a:p>
+            <a:pPr marL="0" indent="0">
+              <a:buNone/>
+            </a:pPr>
+            <a:r>
+              <a:rPr lang="en-US" dirty="0"/>
+              <a:t>Hard boot:</a:t>
+            </a:r>
+          </a:p>
+          <a:p>
+            <a:pPr lvl="1"/>
+            <a:r>
+              <a:rPr lang="en-US" dirty="0"/>
+              <a:t>ESP RTOS boots and </a:t>
+            </a:r>
+            <a:r>
+              <a:rPr lang="en-US" dirty="0" err="1"/>
+              <a:t>inits</a:t>
+            </a:r>
+            <a:endParaRPr lang="en-US" dirty="0"/>
+          </a:p>
+          <a:p>
+            <a:pPr lvl="2"/>
+            <a:r>
+              <a:rPr lang="en-US" dirty="0"/>
+              <a:t>IO ports in default state</a:t>
+            </a:r>
+          </a:p>
+          <a:p>
+            <a:pPr lvl="2"/>
+            <a:r>
+              <a:rPr lang="en-US" dirty="0"/>
+              <a:t>possibly connecting to </a:t>
+            </a:r>
+            <a:r>
+              <a:rPr lang="en-US" dirty="0" err="1"/>
+              <a:t>WiFi</a:t>
+            </a:r>
+            <a:endParaRPr lang="en-US" dirty="0"/>
+          </a:p>
+          <a:p>
+            <a:pPr lvl="1"/>
+            <a:r>
+              <a:rPr lang="en-US" dirty="0"/>
+              <a:t>ESP RTOS starts </a:t>
+            </a:r>
+            <a:r>
+              <a:rPr lang="en-US" dirty="0" err="1"/>
+              <a:t>MicroPython</a:t>
+            </a:r>
+            <a:r>
+              <a:rPr lang="en-US" dirty="0"/>
+              <a:t> task</a:t>
+            </a:r>
+          </a:p>
+          <a:p>
+            <a:pPr marL="0" indent="0">
+              <a:buNone/>
+            </a:pPr>
+            <a:r>
+              <a:rPr lang="en-US" dirty="0"/>
+              <a:t>Soft boot:</a:t>
+            </a:r>
+          </a:p>
+          <a:p>
+            <a:pPr lvl="1"/>
+            <a:r>
+              <a:rPr lang="en-US" dirty="0" err="1"/>
+              <a:t>MicroPython</a:t>
+            </a:r>
+            <a:r>
+              <a:rPr lang="en-US" dirty="0"/>
+              <a:t> initializes</a:t>
+            </a:r>
+          </a:p>
+          <a:p>
+            <a:pPr lvl="1"/>
+            <a:r>
+              <a:rPr lang="en-US" dirty="0" err="1"/>
+              <a:t>MicroPython</a:t>
+            </a:r>
+            <a:r>
+              <a:rPr lang="en-US" dirty="0"/>
+              <a:t> runs boot.py</a:t>
+            </a:r>
+          </a:p>
+          <a:p>
+            <a:pPr lvl="1"/>
+            <a:r>
+              <a:rPr lang="en-US" dirty="0" err="1"/>
+              <a:t>MicroPython</a:t>
+            </a:r>
+            <a:r>
+              <a:rPr lang="en-US" dirty="0"/>
+              <a:t> runs main.py  (which may never exit)</a:t>
+            </a:r>
+          </a:p>
+          <a:p>
+            <a:pPr lvl="1"/>
+            <a:r>
+              <a:rPr lang="en-US" dirty="0" err="1"/>
+              <a:t>MicroPython</a:t>
+            </a:r>
+            <a:r>
+              <a:rPr lang="en-US" dirty="0"/>
+              <a:t> idles waiting for (web)</a:t>
+            </a:r>
+            <a:r>
+              <a:rPr lang="en-US" dirty="0" err="1"/>
+              <a:t>repl</a:t>
+            </a:r>
+            <a:r>
+              <a:rPr lang="en-US" dirty="0"/>
+              <a:t> connection</a:t>
+            </a:r>
+            <a:endParaRPr lang="en-NL" dirty="0"/>
+          </a:p>
+        </p:txBody>
+      </p:sp>
+    </p:spTree>
+    <p:extLst>
+      <p:ext uri="{BB962C8B-B14F-4D97-AF65-F5344CB8AC3E}">
+        <p14:creationId xmlns:p14="http://schemas.microsoft.com/office/powerpoint/2010/main" val="4198616852"/>
+      </p:ext>
+    </p:extLst>
+  </p:cSld>
+  <p:clrMapOvr>
+    <a:masterClrMapping/>
+  </p:clrMapOvr>
+</p:sld>
+</file>
+
+<file path=ppt/slides/slide18.xml><?xml version="1.0" encoding="utf-8"?>
+<p:sld xmlns:a="http://schemas.openxmlformats.org/drawingml/2006/main" xmlns:r="http://schemas.openxmlformats.org/officeDocument/2006/relationships" xmlns:p="http://schemas.openxmlformats.org/presentationml/2006/main">
+  <p:cSld>
+    <p:spTree>
+      <p:nvGrpSpPr>
+        <p:cNvPr id="1" name=""/>
+        <p:cNvGrpSpPr/>
+        <p:nvPr/>
+      </p:nvGrpSpPr>
+      <p:grpSpPr>
+        <a:xfrm>
+          <a:off x="0" y="0"/>
+          <a:ext cx="0" cy="0"/>
+          <a:chOff x="0" y="0"/>
+          <a:chExt cx="0" cy="0"/>
+        </a:xfrm>
+      </p:grpSpPr>
+      <p:sp>
+        <p:nvSpPr>
+          <p:cNvPr id="2" name="Title 1">
+            <a:extLst>
+              <a:ext uri="{FF2B5EF4-FFF2-40B4-BE49-F238E27FC236}">
+                <a16:creationId xmlns:a16="http://schemas.microsoft.com/office/drawing/2014/main" id="{A162D543-4162-4600-9816-AB5CC914583F}"/>
+              </a:ext>
+            </a:extLst>
+          </p:cNvPr>
+          <p:cNvSpPr>
+            <a:spLocks noGrp="1"/>
+          </p:cNvSpPr>
+          <p:nvPr>
+            <p:ph type="title"/>
+          </p:nvPr>
+        </p:nvSpPr>
+        <p:spPr/>
+        <p:txBody>
+          <a:bodyPr/>
+          <a:lstStyle/>
+          <a:p>
+            <a:r>
+              <a:rPr lang="en-US" dirty="0"/>
+              <a:t>Terminal</a:t>
+            </a:r>
+            <a:endParaRPr lang="en-NL" dirty="0"/>
+          </a:p>
+        </p:txBody>
+      </p:sp>
+      <p:sp>
+        <p:nvSpPr>
+          <p:cNvPr id="3" name="Content Placeholder 2">
+            <a:extLst>
+              <a:ext uri="{FF2B5EF4-FFF2-40B4-BE49-F238E27FC236}">
+                <a16:creationId xmlns:a16="http://schemas.microsoft.com/office/drawing/2014/main" id="{33A030B0-AA64-4BF7-BE3B-01651A27AE6B}"/>
+              </a:ext>
+            </a:extLst>
+          </p:cNvPr>
+          <p:cNvSpPr>
+            <a:spLocks noGrp="1"/>
+          </p:cNvSpPr>
+          <p:nvPr>
+            <p:ph idx="1"/>
+          </p:nvPr>
+        </p:nvSpPr>
+        <p:spPr/>
+        <p:txBody>
+          <a:bodyPr/>
+          <a:lstStyle/>
+          <a:p>
+            <a:r>
+              <a:rPr lang="en-US" dirty="0" err="1"/>
+              <a:t>MicroPython</a:t>
+            </a:r>
+            <a:endParaRPr lang="en-US" dirty="0"/>
+          </a:p>
+          <a:p>
+            <a:pPr lvl="1"/>
+            <a:r>
+              <a:rPr lang="en-US" dirty="0"/>
+              <a:t>Reserves UART-0 </a:t>
+            </a:r>
+            <a:r>
+              <a:rPr lang="en-US" sz="1400" dirty="0"/>
+              <a:t>(or soft UART on USB, not for ESP) </a:t>
+            </a:r>
+            <a:r>
+              <a:rPr lang="en-US" dirty="0"/>
+              <a:t>for console on 115200 bps</a:t>
+            </a:r>
+          </a:p>
+          <a:p>
+            <a:pPr lvl="1"/>
+            <a:r>
+              <a:rPr lang="en-US" dirty="0"/>
+              <a:t>Built in Python REPL  (Read Evaluate Print Loop) </a:t>
+            </a:r>
+          </a:p>
+          <a:p>
+            <a:pPr lvl="1"/>
+            <a:r>
+              <a:rPr lang="en-US" dirty="0"/>
+              <a:t>Also a </a:t>
+            </a:r>
+            <a:r>
+              <a:rPr lang="en-US" dirty="0" err="1"/>
+              <a:t>WebREPL</a:t>
+            </a:r>
+            <a:r>
+              <a:rPr lang="en-US" dirty="0"/>
+              <a:t> on a </a:t>
+            </a:r>
+            <a:r>
+              <a:rPr lang="en-US" dirty="0" err="1"/>
+              <a:t>websocket</a:t>
+            </a:r>
+            <a:r>
+              <a:rPr lang="en-US" dirty="0"/>
+              <a:t> </a:t>
+            </a:r>
+            <a:r>
+              <a:rPr lang="en-US" sz="1400" dirty="0"/>
+              <a:t>(optional, but enabled in Sensemakers set-up)</a:t>
+            </a:r>
+          </a:p>
+          <a:p>
+            <a:r>
+              <a:rPr lang="en-US" dirty="0"/>
+              <a:t>Connect via </a:t>
+            </a:r>
+            <a:r>
+              <a:rPr lang="en-US" dirty="0" err="1"/>
+              <a:t>rshell</a:t>
+            </a:r>
+            <a:r>
+              <a:rPr lang="en-US" dirty="0"/>
+              <a:t>, putty, </a:t>
+            </a:r>
+            <a:r>
+              <a:rPr lang="en-US" dirty="0" err="1"/>
+              <a:t>uPyCraft</a:t>
+            </a:r>
+            <a:r>
+              <a:rPr lang="en-US" dirty="0"/>
+              <a:t>, …</a:t>
+            </a:r>
+          </a:p>
+          <a:p>
+            <a:pPr lvl="1"/>
+            <a:r>
+              <a:rPr lang="en-US" dirty="0"/>
+              <a:t>If MP is not idle (</a:t>
+            </a:r>
+            <a:r>
+              <a:rPr lang="en-US" dirty="0" err="1"/>
+              <a:t>main.pu</a:t>
+            </a:r>
+            <a:r>
+              <a:rPr lang="en-US" dirty="0"/>
+              <a:t> running), abort with ^c</a:t>
+            </a:r>
+          </a:p>
+          <a:p>
+            <a:pPr lvl="1"/>
+            <a:r>
+              <a:rPr lang="en-US" dirty="0" err="1"/>
+              <a:t>rshell</a:t>
+            </a:r>
+            <a:r>
+              <a:rPr lang="en-US" dirty="0"/>
+              <a:t> and </a:t>
+            </a:r>
+            <a:r>
+              <a:rPr lang="en-US" dirty="0" err="1"/>
+              <a:t>uPyCraft</a:t>
+            </a:r>
+            <a:r>
+              <a:rPr lang="en-US" dirty="0"/>
+              <a:t> are MP-aware and will abort for you</a:t>
+            </a:r>
+          </a:p>
+          <a:p>
+            <a:pPr marL="0" indent="0">
+              <a:buNone/>
+            </a:pPr>
+            <a:endParaRPr lang="en-US" dirty="0"/>
+          </a:p>
+        </p:txBody>
+      </p:sp>
+    </p:spTree>
+    <p:extLst>
+      <p:ext uri="{BB962C8B-B14F-4D97-AF65-F5344CB8AC3E}">
+        <p14:creationId xmlns:p14="http://schemas.microsoft.com/office/powerpoint/2010/main" val="967535520"/>
+      </p:ext>
+    </p:extLst>
+  </p:cSld>
+  <p:clrMapOvr>
+    <a:masterClrMapping/>
+  </p:clrMapOvr>
+</p:sld>
+</file>
+
+<file path=ppt/slides/slide19.xml><?xml version="1.0" encoding="utf-8"?>
+<p:sld xmlns:a="http://schemas.openxmlformats.org/drawingml/2006/main" xmlns:r="http://schemas.openxmlformats.org/officeDocument/2006/relationships" xmlns:p="http://schemas.openxmlformats.org/presentationml/2006/main">
+  <p:cSld>
+    <p:spTree>
+      <p:nvGrpSpPr>
+        <p:cNvPr id="1" name=""/>
+        <p:cNvGrpSpPr/>
+        <p:nvPr/>
+      </p:nvGrpSpPr>
+      <p:grpSpPr>
+        <a:xfrm>
+          <a:off x="0" y="0"/>
+          <a:ext cx="0" cy="0"/>
+          <a:chOff x="0" y="0"/>
+          <a:chExt cx="0" cy="0"/>
+        </a:xfrm>
+      </p:grpSpPr>
+      <p:sp>
+        <p:nvSpPr>
+          <p:cNvPr id="2" name="Title 1">
+            <a:extLst>
+              <a:ext uri="{FF2B5EF4-FFF2-40B4-BE49-F238E27FC236}">
+                <a16:creationId xmlns:a16="http://schemas.microsoft.com/office/drawing/2014/main" id="{40B047C6-A94E-44BC-BC02-B97FA6D7ACAD}"/>
+              </a:ext>
+            </a:extLst>
+          </p:cNvPr>
+          <p:cNvSpPr>
+            <a:spLocks noGrp="1"/>
+          </p:cNvSpPr>
+          <p:nvPr>
+            <p:ph type="title"/>
+          </p:nvPr>
+        </p:nvSpPr>
+        <p:spPr/>
+        <p:txBody>
+          <a:bodyPr/>
+          <a:lstStyle/>
+          <a:p>
+            <a:r>
+              <a:rPr lang="en-US" dirty="0" err="1"/>
+              <a:t>Rshell</a:t>
+            </a:r>
+            <a:endParaRPr lang="en-NL" dirty="0"/>
+          </a:p>
+        </p:txBody>
+      </p:sp>
+      <p:sp>
+        <p:nvSpPr>
+          <p:cNvPr id="3" name="Content Placeholder 2">
+            <a:extLst>
+              <a:ext uri="{FF2B5EF4-FFF2-40B4-BE49-F238E27FC236}">
+                <a16:creationId xmlns:a16="http://schemas.microsoft.com/office/drawing/2014/main" id="{09BAD0CC-064B-4ACB-B4DB-3930BAC8B33F}"/>
+              </a:ext>
+            </a:extLst>
+          </p:cNvPr>
+          <p:cNvSpPr>
+            <a:spLocks noGrp="1"/>
+          </p:cNvSpPr>
+          <p:nvPr>
+            <p:ph idx="1"/>
+          </p:nvPr>
+        </p:nvSpPr>
+        <p:spPr/>
+        <p:txBody>
+          <a:bodyPr/>
+          <a:lstStyle/>
+          <a:p>
+            <a:r>
+              <a:rPr lang="en-US" dirty="0"/>
+              <a:t>pip(3) install </a:t>
+            </a:r>
+            <a:r>
+              <a:rPr lang="en-US" dirty="0" err="1"/>
+              <a:t>rshell</a:t>
+            </a:r>
+            <a:endParaRPr lang="en-US" dirty="0"/>
+          </a:p>
+          <a:p>
+            <a:r>
+              <a:rPr lang="en-US" dirty="0"/>
+              <a:t>Find out port/dev for your MP serial connection</a:t>
+            </a:r>
+          </a:p>
+          <a:p>
+            <a:r>
+              <a:rPr lang="en-US" dirty="0" err="1"/>
+              <a:t>rshell</a:t>
+            </a:r>
+            <a:r>
+              <a:rPr lang="en-US" dirty="0"/>
+              <a:t> –p &lt;whatever&gt;</a:t>
+            </a:r>
+          </a:p>
+          <a:p>
+            <a:pPr lvl="1"/>
+            <a:r>
+              <a:rPr lang="en-US" dirty="0"/>
+              <a:t>Aborts running program</a:t>
+            </a:r>
+          </a:p>
+          <a:p>
+            <a:pPr lvl="1"/>
+            <a:r>
+              <a:rPr lang="en-US" dirty="0"/>
+              <a:t>Syncs MP clock time on your board</a:t>
+            </a:r>
+          </a:p>
+          <a:p>
+            <a:pPr lvl="1"/>
+            <a:r>
+              <a:rPr lang="en-US" dirty="0"/>
+              <a:t>Get a directory listing for the files on your board</a:t>
+            </a:r>
+          </a:p>
+          <a:p>
+            <a:pPr lvl="1"/>
+            <a:r>
+              <a:rPr lang="en-US" dirty="0"/>
+              <a:t>Goes into command mode</a:t>
+            </a:r>
+            <a:endParaRPr lang="en-NL" dirty="0"/>
+          </a:p>
+        </p:txBody>
+      </p:sp>
+    </p:spTree>
+    <p:extLst>
+      <p:ext uri="{BB962C8B-B14F-4D97-AF65-F5344CB8AC3E}">
+        <p14:creationId xmlns:p14="http://schemas.microsoft.com/office/powerpoint/2010/main" val="3174862832"/>
+      </p:ext>
+    </p:extLst>
+  </p:cSld>
+  <p:clrMapOvr>
+    <a:masterClrMapping/>
+  </p:clrMapOvr>
+</p:sld>
+</file>
+
 <file path=ppt/slides/slide2.xml><?xml version="1.0" encoding="utf-8"?>
 <p:sld xmlns:a="http://schemas.openxmlformats.org/drawingml/2006/main" xmlns:r="http://schemas.openxmlformats.org/officeDocument/2006/relationships" xmlns:p="http://schemas.openxmlformats.org/presentationml/2006/main">
   <p:cSld>
@@ -9369,6 +9912,991 @@
     <p:extLst>
       <p:ext uri="{BB962C8B-B14F-4D97-AF65-F5344CB8AC3E}">
         <p14:creationId xmlns:p14="http://schemas.microsoft.com/office/powerpoint/2010/main" val="2148303914"/>
+      </p:ext>
+    </p:extLst>
+  </p:cSld>
+  <p:clrMapOvr>
+    <a:masterClrMapping/>
+  </p:clrMapOvr>
+</p:sld>
+</file>
+
+<file path=ppt/slides/slide20.xml><?xml version="1.0" encoding="utf-8"?>
+<p:sld xmlns:a="http://schemas.openxmlformats.org/drawingml/2006/main" xmlns:r="http://schemas.openxmlformats.org/officeDocument/2006/relationships" xmlns:p="http://schemas.openxmlformats.org/presentationml/2006/main">
+  <p:cSld>
+    <p:spTree>
+      <p:nvGrpSpPr>
+        <p:cNvPr id="1" name=""/>
+        <p:cNvGrpSpPr/>
+        <p:nvPr/>
+      </p:nvGrpSpPr>
+      <p:grpSpPr>
+        <a:xfrm>
+          <a:off x="0" y="0"/>
+          <a:ext cx="0" cy="0"/>
+          <a:chOff x="0" y="0"/>
+          <a:chExt cx="0" cy="0"/>
+        </a:xfrm>
+      </p:grpSpPr>
+      <p:sp>
+        <p:nvSpPr>
+          <p:cNvPr id="2" name="Title 1">
+            <a:extLst>
+              <a:ext uri="{FF2B5EF4-FFF2-40B4-BE49-F238E27FC236}">
+                <a16:creationId xmlns:a16="http://schemas.microsoft.com/office/drawing/2014/main" id="{539871ED-40CD-45E5-B355-1DD609B4A25C}"/>
+              </a:ext>
+            </a:extLst>
+          </p:cNvPr>
+          <p:cNvSpPr>
+            <a:spLocks noGrp="1"/>
+          </p:cNvSpPr>
+          <p:nvPr>
+            <p:ph type="title"/>
+          </p:nvPr>
+        </p:nvSpPr>
+        <p:spPr/>
+        <p:txBody>
+          <a:bodyPr/>
+          <a:lstStyle/>
+          <a:p>
+            <a:r>
+              <a:rPr lang="en-US" dirty="0" err="1"/>
+              <a:t>Rshell</a:t>
+            </a:r>
+            <a:r>
+              <a:rPr lang="en-US" dirty="0"/>
+              <a:t> 2</a:t>
+            </a:r>
+            <a:endParaRPr lang="en-NL" dirty="0"/>
+          </a:p>
+        </p:txBody>
+      </p:sp>
+      <p:sp>
+        <p:nvSpPr>
+          <p:cNvPr id="3" name="Content Placeholder 2">
+            <a:extLst>
+              <a:ext uri="{FF2B5EF4-FFF2-40B4-BE49-F238E27FC236}">
+                <a16:creationId xmlns:a16="http://schemas.microsoft.com/office/drawing/2014/main" id="{E62BB9D2-A3E5-4851-A362-7BC172FB3186}"/>
+              </a:ext>
+            </a:extLst>
+          </p:cNvPr>
+          <p:cNvSpPr>
+            <a:spLocks noGrp="1"/>
+          </p:cNvSpPr>
+          <p:nvPr>
+            <p:ph idx="1"/>
+          </p:nvPr>
+        </p:nvSpPr>
+        <p:spPr/>
+        <p:txBody>
+          <a:bodyPr/>
+          <a:lstStyle/>
+          <a:p>
+            <a:r>
+              <a:rPr lang="en-US" dirty="0"/>
+              <a:t>Commands: ls, cp, </a:t>
+            </a:r>
+            <a:r>
+              <a:rPr lang="en-US" dirty="0" err="1"/>
+              <a:t>rsync</a:t>
+            </a:r>
+            <a:r>
+              <a:rPr lang="en-US" dirty="0"/>
+              <a:t>, cat, edit, </a:t>
+            </a:r>
+            <a:r>
+              <a:rPr lang="en-US" dirty="0" err="1"/>
+              <a:t>repl</a:t>
+            </a:r>
+            <a:r>
+              <a:rPr lang="en-US" dirty="0"/>
+              <a:t>, …</a:t>
+            </a:r>
+          </a:p>
+          <a:p>
+            <a:r>
+              <a:rPr lang="en-US" dirty="0"/>
+              <a:t>Default is current directory.</a:t>
+            </a:r>
+          </a:p>
+          <a:p>
+            <a:r>
+              <a:rPr lang="en-US" dirty="0"/>
+              <a:t>Files on your board are in /</a:t>
+            </a:r>
+            <a:r>
+              <a:rPr lang="en-US" dirty="0" err="1"/>
+              <a:t>pyboard</a:t>
+            </a:r>
+            <a:endParaRPr lang="en-US" dirty="0"/>
+          </a:p>
+          <a:p>
+            <a:pPr lvl="1"/>
+            <a:r>
+              <a:rPr lang="en-US" dirty="0"/>
+              <a:t>File to board:   cp whatever.py /</a:t>
+            </a:r>
+            <a:r>
+              <a:rPr lang="en-US" dirty="0" err="1"/>
+              <a:t>pyboard</a:t>
+            </a:r>
+            <a:endParaRPr lang="en-US" dirty="0"/>
+          </a:p>
+          <a:p>
+            <a:pPr lvl="1"/>
+            <a:r>
+              <a:rPr lang="en-US" dirty="0"/>
+              <a:t>File from board:    cp /pyboard/credentials.py  mylocaldir/credentials.py</a:t>
+            </a:r>
+          </a:p>
+          <a:p>
+            <a:pPr lvl="1"/>
+            <a:r>
+              <a:rPr lang="en-US" dirty="0"/>
+              <a:t>Changed files from local </a:t>
+            </a:r>
+            <a:r>
+              <a:rPr lang="en-US" dirty="0" err="1"/>
+              <a:t>dir</a:t>
+            </a:r>
+            <a:r>
+              <a:rPr lang="en-US" dirty="0"/>
+              <a:t> to board:   </a:t>
+            </a:r>
+            <a:r>
+              <a:rPr lang="en-US" dirty="0" err="1"/>
+              <a:t>rsync</a:t>
+            </a:r>
+            <a:r>
+              <a:rPr lang="en-US" dirty="0"/>
+              <a:t> </a:t>
+            </a:r>
+            <a:r>
+              <a:rPr lang="en-US" dirty="0" err="1"/>
+              <a:t>mylocaldir</a:t>
+            </a:r>
+            <a:r>
+              <a:rPr lang="en-US" dirty="0"/>
+              <a:t>  /</a:t>
+            </a:r>
+            <a:r>
+              <a:rPr lang="en-US" dirty="0" err="1"/>
+              <a:t>pyboard</a:t>
+            </a:r>
+            <a:endParaRPr lang="en-US" dirty="0"/>
+          </a:p>
+          <a:p>
+            <a:pPr lvl="1"/>
+            <a:r>
+              <a:rPr lang="en-US" dirty="0"/>
+              <a:t>Enter </a:t>
+            </a:r>
+            <a:r>
+              <a:rPr lang="en-US" dirty="0" err="1"/>
+              <a:t>repl</a:t>
+            </a:r>
+            <a:r>
+              <a:rPr lang="en-US" dirty="0"/>
+              <a:t>:   </a:t>
+            </a:r>
+            <a:r>
+              <a:rPr lang="en-US" dirty="0" err="1"/>
+              <a:t>repl</a:t>
+            </a:r>
+            <a:endParaRPr lang="en-US" dirty="0"/>
+          </a:p>
+          <a:p>
+            <a:pPr lvl="1"/>
+            <a:r>
+              <a:rPr lang="en-US" dirty="0"/>
+              <a:t>Exit:   exit  or ^d</a:t>
+            </a:r>
+            <a:endParaRPr lang="en-NL" dirty="0"/>
+          </a:p>
+        </p:txBody>
+      </p:sp>
+    </p:spTree>
+    <p:extLst>
+      <p:ext uri="{BB962C8B-B14F-4D97-AF65-F5344CB8AC3E}">
+        <p14:creationId xmlns:p14="http://schemas.microsoft.com/office/powerpoint/2010/main" val="2746250628"/>
+      </p:ext>
+    </p:extLst>
+  </p:cSld>
+  <p:clrMapOvr>
+    <a:masterClrMapping/>
+  </p:clrMapOvr>
+</p:sld>
+</file>
+
+<file path=ppt/slides/slide21.xml><?xml version="1.0" encoding="utf-8"?>
+<p:sld xmlns:a="http://schemas.openxmlformats.org/drawingml/2006/main" xmlns:r="http://schemas.openxmlformats.org/officeDocument/2006/relationships" xmlns:p="http://schemas.openxmlformats.org/presentationml/2006/main">
+  <p:cSld>
+    <p:spTree>
+      <p:nvGrpSpPr>
+        <p:cNvPr id="1" name=""/>
+        <p:cNvGrpSpPr/>
+        <p:nvPr/>
+      </p:nvGrpSpPr>
+      <p:grpSpPr>
+        <a:xfrm>
+          <a:off x="0" y="0"/>
+          <a:ext cx="0" cy="0"/>
+          <a:chOff x="0" y="0"/>
+          <a:chExt cx="0" cy="0"/>
+        </a:xfrm>
+      </p:grpSpPr>
+      <p:sp>
+        <p:nvSpPr>
+          <p:cNvPr id="2" name="Title 1">
+            <a:extLst>
+              <a:ext uri="{FF2B5EF4-FFF2-40B4-BE49-F238E27FC236}">
+                <a16:creationId xmlns:a16="http://schemas.microsoft.com/office/drawing/2014/main" id="{551B5BE5-26DB-4B8A-8009-49932638BFD7}"/>
+              </a:ext>
+            </a:extLst>
+          </p:cNvPr>
+          <p:cNvSpPr>
+            <a:spLocks noGrp="1"/>
+          </p:cNvSpPr>
+          <p:nvPr>
+            <p:ph type="title"/>
+          </p:nvPr>
+        </p:nvSpPr>
+        <p:spPr/>
+        <p:txBody>
+          <a:bodyPr/>
+          <a:lstStyle/>
+          <a:p>
+            <a:r>
+              <a:rPr lang="en-US" dirty="0"/>
+              <a:t>In </a:t>
+            </a:r>
+            <a:r>
+              <a:rPr lang="en-US" dirty="0" err="1"/>
+              <a:t>repl</a:t>
+            </a:r>
+            <a:endParaRPr lang="en-NL" dirty="0"/>
+          </a:p>
+        </p:txBody>
+      </p:sp>
+      <p:sp>
+        <p:nvSpPr>
+          <p:cNvPr id="3" name="Content Placeholder 2">
+            <a:extLst>
+              <a:ext uri="{FF2B5EF4-FFF2-40B4-BE49-F238E27FC236}">
+                <a16:creationId xmlns:a16="http://schemas.microsoft.com/office/drawing/2014/main" id="{5471EFD2-3214-48D1-B031-2F05EEA3D8C4}"/>
+              </a:ext>
+            </a:extLst>
+          </p:cNvPr>
+          <p:cNvSpPr>
+            <a:spLocks noGrp="1"/>
+          </p:cNvSpPr>
+          <p:nvPr>
+            <p:ph idx="1"/>
+          </p:nvPr>
+        </p:nvSpPr>
+        <p:spPr/>
+        <p:txBody>
+          <a:bodyPr/>
+          <a:lstStyle/>
+          <a:p>
+            <a:r>
+              <a:rPr lang="en-US" dirty="0"/>
+              <a:t>TAB		auto completion</a:t>
+            </a:r>
+          </a:p>
+          <a:p>
+            <a:r>
+              <a:rPr lang="en-US" dirty="0"/>
+              <a:t>^x		exit the </a:t>
+            </a:r>
+            <a:r>
+              <a:rPr lang="en-US" dirty="0" err="1"/>
+              <a:t>repl</a:t>
+            </a:r>
+            <a:r>
+              <a:rPr lang="en-US" dirty="0"/>
+              <a:t>  (remember! Only alternative is a hard-reset)</a:t>
+            </a:r>
+          </a:p>
+          <a:p>
+            <a:r>
+              <a:rPr lang="en-US" dirty="0"/>
+              <a:t>^c		abort running statement</a:t>
+            </a:r>
+          </a:p>
+          <a:p>
+            <a:r>
+              <a:rPr lang="en-US" dirty="0"/>
+              <a:t>^e		enter paste mode</a:t>
+            </a:r>
+          </a:p>
+          <a:p>
+            <a:r>
+              <a:rPr lang="en-US" dirty="0"/>
+              <a:t>^d		leave paste mode or start soft-boot</a:t>
+            </a:r>
+          </a:p>
+          <a:p>
+            <a:r>
+              <a:rPr lang="en-US" dirty="0"/>
+              <a:t>Up/Down	access command history</a:t>
+            </a:r>
+          </a:p>
+          <a:p>
+            <a:r>
+              <a:rPr lang="en-US" dirty="0"/>
+              <a:t>^r		execute command</a:t>
+            </a:r>
+          </a:p>
+          <a:p>
+            <a:pPr marL="0" indent="0">
+              <a:buNone/>
+            </a:pPr>
+            <a:r>
+              <a:rPr lang="en-US" dirty="0"/>
+              <a:t> </a:t>
+            </a:r>
+            <a:endParaRPr lang="en-NL" dirty="0"/>
+          </a:p>
+        </p:txBody>
+      </p:sp>
+    </p:spTree>
+    <p:extLst>
+      <p:ext uri="{BB962C8B-B14F-4D97-AF65-F5344CB8AC3E}">
+        <p14:creationId xmlns:p14="http://schemas.microsoft.com/office/powerpoint/2010/main" val="3788487181"/>
+      </p:ext>
+    </p:extLst>
+  </p:cSld>
+  <p:clrMapOvr>
+    <a:masterClrMapping/>
+  </p:clrMapOvr>
+</p:sld>
+</file>
+
+<file path=ppt/slides/slide22.xml><?xml version="1.0" encoding="utf-8"?>
+<p:sld xmlns:a="http://schemas.openxmlformats.org/drawingml/2006/main" xmlns:r="http://schemas.openxmlformats.org/officeDocument/2006/relationships" xmlns:p="http://schemas.openxmlformats.org/presentationml/2006/main">
+  <p:cSld>
+    <p:spTree>
+      <p:nvGrpSpPr>
+        <p:cNvPr id="1" name=""/>
+        <p:cNvGrpSpPr/>
+        <p:nvPr/>
+      </p:nvGrpSpPr>
+      <p:grpSpPr>
+        <a:xfrm>
+          <a:off x="0" y="0"/>
+          <a:ext cx="0" cy="0"/>
+          <a:chOff x="0" y="0"/>
+          <a:chExt cx="0" cy="0"/>
+        </a:xfrm>
+      </p:grpSpPr>
+      <p:sp>
+        <p:nvSpPr>
+          <p:cNvPr id="2" name="Title 1">
+            <a:extLst>
+              <a:ext uri="{FF2B5EF4-FFF2-40B4-BE49-F238E27FC236}">
+                <a16:creationId xmlns:a16="http://schemas.microsoft.com/office/drawing/2014/main" id="{B70DDE6B-CD0A-4FEF-9559-B568CD528659}"/>
+              </a:ext>
+            </a:extLst>
+          </p:cNvPr>
+          <p:cNvSpPr>
+            <a:spLocks noGrp="1"/>
+          </p:cNvSpPr>
+          <p:nvPr>
+            <p:ph type="title"/>
+          </p:nvPr>
+        </p:nvSpPr>
+        <p:spPr/>
+        <p:txBody>
+          <a:bodyPr/>
+          <a:lstStyle/>
+          <a:p>
+            <a:r>
+              <a:rPr lang="en-US" dirty="0"/>
+              <a:t>In </a:t>
+            </a:r>
+            <a:r>
+              <a:rPr lang="en-US" dirty="0" err="1"/>
+              <a:t>repl</a:t>
+            </a:r>
+            <a:endParaRPr lang="en-NL" dirty="0"/>
+          </a:p>
+        </p:txBody>
+      </p:sp>
+      <p:sp>
+        <p:nvSpPr>
+          <p:cNvPr id="3" name="Content Placeholder 2">
+            <a:extLst>
+              <a:ext uri="{FF2B5EF4-FFF2-40B4-BE49-F238E27FC236}">
+                <a16:creationId xmlns:a16="http://schemas.microsoft.com/office/drawing/2014/main" id="{7DEA763A-D103-4EE2-878E-FCBECD170E3E}"/>
+              </a:ext>
+            </a:extLst>
+          </p:cNvPr>
+          <p:cNvSpPr>
+            <a:spLocks noGrp="1"/>
+          </p:cNvSpPr>
+          <p:nvPr>
+            <p:ph idx="1"/>
+          </p:nvPr>
+        </p:nvSpPr>
+        <p:spPr/>
+        <p:txBody>
+          <a:bodyPr/>
+          <a:lstStyle/>
+          <a:p>
+            <a:r>
+              <a:rPr lang="en-US" dirty="0"/>
+              <a:t>If a command produces a result in </a:t>
+            </a:r>
+            <a:r>
+              <a:rPr lang="en-US" dirty="0" err="1"/>
+              <a:t>repl</a:t>
+            </a:r>
+            <a:r>
+              <a:rPr lang="en-US" dirty="0"/>
+              <a:t>, the result will be printed automatically.</a:t>
+            </a:r>
+          </a:p>
+          <a:p>
+            <a:r>
+              <a:rPr lang="en-US" dirty="0"/>
+              <a:t>Try:</a:t>
+            </a:r>
+          </a:p>
+          <a:p>
+            <a:pPr lvl="1"/>
+            <a:r>
+              <a:rPr lang="en-US" dirty="0" err="1"/>
+              <a:t>dir</a:t>
+            </a:r>
+            <a:r>
+              <a:rPr lang="en-US" dirty="0"/>
+              <a:t>()</a:t>
+            </a:r>
+          </a:p>
+          <a:p>
+            <a:pPr lvl="1"/>
+            <a:r>
+              <a:rPr lang="en-US" dirty="0" err="1"/>
+              <a:t>uos.listdir</a:t>
+            </a:r>
+            <a:r>
+              <a:rPr lang="en-US" dirty="0"/>
+              <a:t>('')</a:t>
+            </a:r>
+          </a:p>
+          <a:p>
+            <a:r>
+              <a:rPr lang="en-US" dirty="0"/>
+              <a:t>In a program you would need to use:</a:t>
+            </a:r>
+          </a:p>
+          <a:p>
+            <a:pPr lvl="1"/>
+            <a:r>
+              <a:rPr lang="en-US" dirty="0"/>
+              <a:t>print(</a:t>
+            </a:r>
+            <a:r>
+              <a:rPr lang="en-US" dirty="0" err="1"/>
+              <a:t>uos.listdir</a:t>
+            </a:r>
+            <a:r>
+              <a:rPr lang="en-US" dirty="0"/>
+              <a:t>(''))</a:t>
+            </a:r>
+          </a:p>
+          <a:p>
+            <a:pPr marL="457200" lvl="1" indent="0">
+              <a:buNone/>
+            </a:pPr>
+            <a:endParaRPr lang="en-NL" dirty="0"/>
+          </a:p>
+        </p:txBody>
+      </p:sp>
+    </p:spTree>
+    <p:extLst>
+      <p:ext uri="{BB962C8B-B14F-4D97-AF65-F5344CB8AC3E}">
+        <p14:creationId xmlns:p14="http://schemas.microsoft.com/office/powerpoint/2010/main" val="1298480371"/>
+      </p:ext>
+    </p:extLst>
+  </p:cSld>
+  <p:clrMapOvr>
+    <a:masterClrMapping/>
+  </p:clrMapOvr>
+</p:sld>
+</file>
+
+<file path=ppt/slides/slide23.xml><?xml version="1.0" encoding="utf-8"?>
+<p:sld xmlns:a="http://schemas.openxmlformats.org/drawingml/2006/main" xmlns:r="http://schemas.openxmlformats.org/officeDocument/2006/relationships" xmlns:p="http://schemas.openxmlformats.org/presentationml/2006/main">
+  <p:cSld>
+    <p:spTree>
+      <p:nvGrpSpPr>
+        <p:cNvPr id="1" name=""/>
+        <p:cNvGrpSpPr/>
+        <p:nvPr/>
+      </p:nvGrpSpPr>
+      <p:grpSpPr>
+        <a:xfrm>
+          <a:off x="0" y="0"/>
+          <a:ext cx="0" cy="0"/>
+          <a:chOff x="0" y="0"/>
+          <a:chExt cx="0" cy="0"/>
+        </a:xfrm>
+      </p:grpSpPr>
+      <p:sp>
+        <p:nvSpPr>
+          <p:cNvPr id="2" name="Title 1">
+            <a:extLst>
+              <a:ext uri="{FF2B5EF4-FFF2-40B4-BE49-F238E27FC236}">
+                <a16:creationId xmlns:a16="http://schemas.microsoft.com/office/drawing/2014/main" id="{7417E561-D1B2-4CFF-9E15-5CBF92BAB0D3}"/>
+              </a:ext>
+            </a:extLst>
+          </p:cNvPr>
+          <p:cNvSpPr>
+            <a:spLocks noGrp="1"/>
+          </p:cNvSpPr>
+          <p:nvPr>
+            <p:ph type="title"/>
+          </p:nvPr>
+        </p:nvSpPr>
+        <p:spPr/>
+        <p:txBody>
+          <a:bodyPr/>
+          <a:lstStyle/>
+          <a:p>
+            <a:r>
+              <a:rPr lang="en-US" dirty="0"/>
+              <a:t>Connecting to the world</a:t>
+            </a:r>
+            <a:endParaRPr lang="en-NL" dirty="0"/>
+          </a:p>
+        </p:txBody>
+      </p:sp>
+      <p:sp>
+        <p:nvSpPr>
+          <p:cNvPr id="3" name="Content Placeholder 2">
+            <a:extLst>
+              <a:ext uri="{FF2B5EF4-FFF2-40B4-BE49-F238E27FC236}">
+                <a16:creationId xmlns:a16="http://schemas.microsoft.com/office/drawing/2014/main" id="{DDACD7FF-B3FF-4EF1-8B23-129BE7435504}"/>
+              </a:ext>
+            </a:extLst>
+          </p:cNvPr>
+          <p:cNvSpPr>
+            <a:spLocks noGrp="1"/>
+          </p:cNvSpPr>
+          <p:nvPr>
+            <p:ph idx="1"/>
+          </p:nvPr>
+        </p:nvSpPr>
+        <p:spPr/>
+        <p:txBody>
+          <a:bodyPr/>
+          <a:lstStyle/>
+          <a:p>
+            <a:r>
+              <a:rPr lang="en-US" dirty="0">
+                <a:hlinkClick r:id="rId2"/>
+              </a:rPr>
+              <a:t>http://docs.micropython.org/en/latest/</a:t>
+            </a:r>
+            <a:endParaRPr lang="en-US" dirty="0"/>
+          </a:p>
+          <a:p>
+            <a:r>
+              <a:rPr lang="en-US" dirty="0">
+                <a:hlinkClick r:id="rId3"/>
+              </a:rPr>
+              <a:t>http://docs.micropython.org/en/latest/esp8266/quickref.html</a:t>
+            </a:r>
+            <a:endParaRPr lang="en-US" dirty="0"/>
+          </a:p>
+          <a:p>
+            <a:pPr marL="0" indent="0">
+              <a:buNone/>
+            </a:pPr>
+            <a:endParaRPr lang="en-US" dirty="0"/>
+          </a:p>
+          <a:p>
+            <a:r>
+              <a:rPr lang="en-US" dirty="0"/>
+              <a:t>Pins</a:t>
+            </a:r>
+          </a:p>
+          <a:p>
+            <a:r>
+              <a:rPr lang="en-US" dirty="0"/>
+              <a:t>I2C</a:t>
+            </a:r>
+          </a:p>
+          <a:p>
+            <a:r>
+              <a:rPr lang="en-US" dirty="0"/>
+              <a:t>DHT</a:t>
+            </a:r>
+          </a:p>
+          <a:p>
+            <a:r>
+              <a:rPr lang="en-US" dirty="0" err="1"/>
+              <a:t>Neopixel</a:t>
+            </a:r>
+            <a:endParaRPr lang="en-US" dirty="0"/>
+          </a:p>
+          <a:p>
+            <a:r>
+              <a:rPr lang="en-US" dirty="0"/>
+              <a:t>…</a:t>
+            </a:r>
+          </a:p>
+          <a:p>
+            <a:endParaRPr lang="en-NL" dirty="0"/>
+          </a:p>
+        </p:txBody>
+      </p:sp>
+    </p:spTree>
+    <p:extLst>
+      <p:ext uri="{BB962C8B-B14F-4D97-AF65-F5344CB8AC3E}">
+        <p14:creationId xmlns:p14="http://schemas.microsoft.com/office/powerpoint/2010/main" val="3885496338"/>
+      </p:ext>
+    </p:extLst>
+  </p:cSld>
+  <p:clrMapOvr>
+    <a:masterClrMapping/>
+  </p:clrMapOvr>
+</p:sld>
+</file>
+
+<file path=ppt/slides/slide24.xml><?xml version="1.0" encoding="utf-8"?>
+<p:sld xmlns:a="http://schemas.openxmlformats.org/drawingml/2006/main" xmlns:r="http://schemas.openxmlformats.org/officeDocument/2006/relationships" xmlns:p="http://schemas.openxmlformats.org/presentationml/2006/main">
+  <p:cSld>
+    <p:spTree>
+      <p:nvGrpSpPr>
+        <p:cNvPr id="1" name=""/>
+        <p:cNvGrpSpPr/>
+        <p:nvPr/>
+      </p:nvGrpSpPr>
+      <p:grpSpPr>
+        <a:xfrm>
+          <a:off x="0" y="0"/>
+          <a:ext cx="0" cy="0"/>
+          <a:chOff x="0" y="0"/>
+          <a:chExt cx="0" cy="0"/>
+        </a:xfrm>
+      </p:grpSpPr>
+      <p:sp>
+        <p:nvSpPr>
+          <p:cNvPr id="2" name="Title 1">
+            <a:extLst>
+              <a:ext uri="{FF2B5EF4-FFF2-40B4-BE49-F238E27FC236}">
+                <a16:creationId xmlns:a16="http://schemas.microsoft.com/office/drawing/2014/main" id="{E9842366-5380-4079-8EA2-C5FEA35F36DD}"/>
+              </a:ext>
+            </a:extLst>
+          </p:cNvPr>
+          <p:cNvSpPr>
+            <a:spLocks noGrp="1"/>
+          </p:cNvSpPr>
+          <p:nvPr>
+            <p:ph type="title"/>
+          </p:nvPr>
+        </p:nvSpPr>
+        <p:spPr/>
+        <p:txBody>
+          <a:bodyPr/>
+          <a:lstStyle/>
+          <a:p>
+            <a:r>
+              <a:rPr lang="en-US" dirty="0"/>
+              <a:t>Pin</a:t>
+            </a:r>
+            <a:endParaRPr lang="en-NL" dirty="0"/>
+          </a:p>
+        </p:txBody>
+      </p:sp>
+      <p:sp>
+        <p:nvSpPr>
+          <p:cNvPr id="3" name="Content Placeholder 2">
+            <a:extLst>
+              <a:ext uri="{FF2B5EF4-FFF2-40B4-BE49-F238E27FC236}">
+                <a16:creationId xmlns:a16="http://schemas.microsoft.com/office/drawing/2014/main" id="{3676F4B4-776C-4583-B821-D2FBB9D1BF58}"/>
+              </a:ext>
+            </a:extLst>
+          </p:cNvPr>
+          <p:cNvSpPr>
+            <a:spLocks noGrp="1"/>
+          </p:cNvSpPr>
+          <p:nvPr>
+            <p:ph idx="1"/>
+          </p:nvPr>
+        </p:nvSpPr>
+        <p:spPr/>
+        <p:txBody>
+          <a:bodyPr/>
+          <a:lstStyle/>
+          <a:p>
+            <a:pPr marL="0" indent="0">
+              <a:buNone/>
+            </a:pPr>
+            <a:r>
+              <a:rPr lang="en-US" dirty="0"/>
+              <a:t>from machine import Pin</a:t>
+            </a:r>
+          </a:p>
+          <a:p>
+            <a:pPr marL="0" indent="0">
+              <a:buNone/>
+            </a:pPr>
+            <a:r>
+              <a:rPr lang="en-US" dirty="0" err="1"/>
+              <a:t>pin_obj</a:t>
+            </a:r>
+            <a:r>
+              <a:rPr lang="en-US" dirty="0"/>
+              <a:t> = Pin( &lt;nr&gt; [,&lt;direction&gt;], [,&lt;mode] )</a:t>
+            </a:r>
+          </a:p>
+          <a:p>
+            <a:pPr marL="0" indent="0">
+              <a:buNone/>
+            </a:pPr>
+            <a:endParaRPr lang="en-US" dirty="0"/>
+          </a:p>
+          <a:p>
+            <a:pPr marL="0" indent="0">
+              <a:buNone/>
+            </a:pPr>
+            <a:r>
+              <a:rPr lang="en-US" dirty="0"/>
+              <a:t>Examples:</a:t>
+            </a:r>
+          </a:p>
+          <a:p>
+            <a:pPr marL="457200" lvl="1" indent="0">
+              <a:buNone/>
+            </a:pPr>
+            <a:r>
+              <a:rPr lang="en-US" dirty="0"/>
+              <a:t>p2 = Pin(2, Pin.IN, </a:t>
+            </a:r>
+            <a:r>
+              <a:rPr lang="en-US" dirty="0" err="1"/>
+              <a:t>Pin.PULL_UP</a:t>
+            </a:r>
+            <a:r>
+              <a:rPr lang="en-US" dirty="0"/>
+              <a:t>)     # create input pin on GPIO2 with </a:t>
+            </a:r>
+            <a:r>
+              <a:rPr lang="en-US" dirty="0" err="1"/>
+              <a:t>pull_up</a:t>
+            </a:r>
+            <a:endParaRPr lang="en-US" dirty="0"/>
+          </a:p>
+          <a:p>
+            <a:pPr marL="457200" lvl="1" indent="0">
+              <a:buNone/>
+            </a:pPr>
+            <a:r>
+              <a:rPr lang="en-US" dirty="0"/>
+              <a:t>print(p2.value())        # get value, 0 or 1</a:t>
+            </a:r>
+          </a:p>
+          <a:p>
+            <a:pPr marL="457200" lvl="1" indent="0">
+              <a:buNone/>
+            </a:pPr>
+            <a:endParaRPr lang="en-US" dirty="0"/>
+          </a:p>
+          <a:p>
+            <a:pPr marL="457200" lvl="1" indent="0">
+              <a:buNone/>
+            </a:pPr>
+            <a:r>
+              <a:rPr lang="en-US" dirty="0"/>
+              <a:t>p5 = Pin(5, </a:t>
+            </a:r>
+            <a:r>
+              <a:rPr lang="en-US" dirty="0" err="1"/>
+              <a:t>Pin.OUT</a:t>
+            </a:r>
+            <a:r>
+              <a:rPr lang="en-US" dirty="0"/>
+              <a:t>, value=1)   # set pin high on creation</a:t>
+            </a:r>
+          </a:p>
+          <a:p>
+            <a:pPr marL="457200" lvl="1" indent="0">
+              <a:buNone/>
+            </a:pPr>
+            <a:r>
+              <a:rPr lang="en-US" dirty="0"/>
+              <a:t>P5.value(0)   # and then set it low</a:t>
+            </a:r>
+            <a:endParaRPr lang="en-NL" dirty="0"/>
+          </a:p>
+        </p:txBody>
+      </p:sp>
+    </p:spTree>
+    <p:extLst>
+      <p:ext uri="{BB962C8B-B14F-4D97-AF65-F5344CB8AC3E}">
+        <p14:creationId xmlns:p14="http://schemas.microsoft.com/office/powerpoint/2010/main" val="2227603152"/>
+      </p:ext>
+    </p:extLst>
+  </p:cSld>
+  <p:clrMapOvr>
+    <a:masterClrMapping/>
+  </p:clrMapOvr>
+</p:sld>
+</file>
+
+<file path=ppt/slides/slide25.xml><?xml version="1.0" encoding="utf-8"?>
+<p:sld xmlns:a="http://schemas.openxmlformats.org/drawingml/2006/main" xmlns:r="http://schemas.openxmlformats.org/officeDocument/2006/relationships" xmlns:p="http://schemas.openxmlformats.org/presentationml/2006/main">
+  <p:cSld>
+    <p:spTree>
+      <p:nvGrpSpPr>
+        <p:cNvPr id="1" name=""/>
+        <p:cNvGrpSpPr/>
+        <p:nvPr/>
+      </p:nvGrpSpPr>
+      <p:grpSpPr>
+        <a:xfrm>
+          <a:off x="0" y="0"/>
+          <a:ext cx="0" cy="0"/>
+          <a:chOff x="0" y="0"/>
+          <a:chExt cx="0" cy="0"/>
+        </a:xfrm>
+      </p:grpSpPr>
+      <p:sp>
+        <p:nvSpPr>
+          <p:cNvPr id="2" name="Title 1">
+            <a:extLst>
+              <a:ext uri="{FF2B5EF4-FFF2-40B4-BE49-F238E27FC236}">
+                <a16:creationId xmlns:a16="http://schemas.microsoft.com/office/drawing/2014/main" id="{D30A5106-64CE-4770-ADF1-234FE498C8D6}"/>
+              </a:ext>
+            </a:extLst>
+          </p:cNvPr>
+          <p:cNvSpPr>
+            <a:spLocks noGrp="1"/>
+          </p:cNvSpPr>
+          <p:nvPr>
+            <p:ph type="title"/>
+          </p:nvPr>
+        </p:nvSpPr>
+        <p:spPr/>
+        <p:txBody>
+          <a:bodyPr/>
+          <a:lstStyle/>
+          <a:p>
+            <a:r>
+              <a:rPr lang="en-US" dirty="0"/>
+              <a:t>I2C</a:t>
+            </a:r>
+            <a:endParaRPr lang="en-NL" dirty="0"/>
+          </a:p>
+        </p:txBody>
+      </p:sp>
+      <p:sp>
+        <p:nvSpPr>
+          <p:cNvPr id="3" name="Content Placeholder 2">
+            <a:extLst>
+              <a:ext uri="{FF2B5EF4-FFF2-40B4-BE49-F238E27FC236}">
+                <a16:creationId xmlns:a16="http://schemas.microsoft.com/office/drawing/2014/main" id="{A49BFCEA-2A61-4323-B00E-5F7A994763C8}"/>
+              </a:ext>
+            </a:extLst>
+          </p:cNvPr>
+          <p:cNvSpPr>
+            <a:spLocks noGrp="1"/>
+          </p:cNvSpPr>
+          <p:nvPr>
+            <p:ph idx="1"/>
+          </p:nvPr>
+        </p:nvSpPr>
+        <p:spPr/>
+        <p:txBody>
+          <a:bodyPr/>
+          <a:lstStyle/>
+          <a:p>
+            <a:pPr marL="0" indent="0">
+              <a:buNone/>
+            </a:pPr>
+            <a:r>
+              <a:rPr lang="en-US" dirty="0"/>
+              <a:t>from machine import Pin, I2C</a:t>
+            </a:r>
+          </a:p>
+          <a:p>
+            <a:pPr marL="0" indent="0">
+              <a:buNone/>
+            </a:pPr>
+            <a:r>
+              <a:rPr lang="it-IT" dirty="0"/>
+              <a:t>i2c = I2C(scl=Pin(&lt;sclpin&gt;), sda=Pin(&lt;sdapin&gt;) [, freq=&lt;freq&gt;])</a:t>
+            </a:r>
+          </a:p>
+          <a:p>
+            <a:pPr marL="0" indent="0">
+              <a:buNone/>
+            </a:pPr>
+            <a:endParaRPr lang="en-US" dirty="0"/>
+          </a:p>
+          <a:p>
+            <a:pPr marL="0" indent="0">
+              <a:buNone/>
+            </a:pPr>
+            <a:r>
+              <a:rPr lang="en-US" dirty="0"/>
+              <a:t>Examples:</a:t>
+            </a:r>
+          </a:p>
+          <a:p>
+            <a:pPr marL="0" indent="0">
+              <a:buNone/>
+            </a:pPr>
+            <a:r>
+              <a:rPr lang="it-IT" dirty="0"/>
+              <a:t>	</a:t>
+            </a:r>
+            <a:r>
+              <a:rPr lang="it-IT" sz="2400" dirty="0"/>
+              <a:t>i2c = I2C( scl=Pin(5), sda=Pin(4), freq=100000 )</a:t>
+            </a:r>
+          </a:p>
+          <a:p>
+            <a:pPr marL="0" indent="0">
+              <a:buNone/>
+            </a:pPr>
+            <a:r>
+              <a:rPr lang="en-US" sz="2400" dirty="0"/>
+              <a:t>	i2c.writeto(0x3a, '12’)     # write '12' to slave device with address 0x3a</a:t>
+            </a:r>
+          </a:p>
+          <a:p>
+            <a:pPr marL="0" indent="0">
+              <a:buNone/>
+            </a:pPr>
+            <a:r>
+              <a:rPr lang="en-US" sz="2400" dirty="0"/>
+              <a:t>	</a:t>
+            </a:r>
+            <a:r>
+              <a:rPr lang="en-US" sz="2400" dirty="0" err="1"/>
+              <a:t>buf</a:t>
+            </a:r>
+            <a:r>
+              <a:rPr lang="en-US" sz="2400" dirty="0"/>
+              <a:t> = i2c.readfrom(0x3a, 4)     # and then read 4 </a:t>
+            </a:r>
+            <a:r>
+              <a:rPr lang="en-US" sz="2400"/>
+              <a:t>bytes response</a:t>
+            </a:r>
+            <a:endParaRPr lang="it-IT" sz="2400" dirty="0"/>
+          </a:p>
+        </p:txBody>
+      </p:sp>
+    </p:spTree>
+    <p:extLst>
+      <p:ext uri="{BB962C8B-B14F-4D97-AF65-F5344CB8AC3E}">
+        <p14:creationId xmlns:p14="http://schemas.microsoft.com/office/powerpoint/2010/main" val="3674413764"/>
       </p:ext>
     </p:extLst>
   </p:cSld>
@@ -14899,6 +16427,12 @@
 </file>
 
 <file path=customXml/item1.xml><?xml version="1.0" encoding="utf-8"?>
+<p:properties xmlns:p="http://schemas.microsoft.com/office/2006/metadata/properties" xmlns:xsi="http://www.w3.org/2001/XMLSchema-instance" xmlns:pc="http://schemas.microsoft.com/office/infopath/2007/PartnerControls">
+  <documentManagement/>
+</p:properties>
+</file>
+
+<file path=customXml/item2.xml><?xml version="1.0" encoding="utf-8"?>
 <ct:contentTypeSchema xmlns:ct="http://schemas.microsoft.com/office/2006/metadata/contentType" xmlns:ma="http://schemas.microsoft.com/office/2006/metadata/properties/metaAttributes" ct:_="" ma:_="" ma:contentTypeName="Document" ma:contentTypeID="0x0101009113E654A48E4A4684BEAE35934ED9E0" ma:contentTypeVersion="11" ma:contentTypeDescription="Een nieuw document maken." ma:contentTypeScope="" ma:versionID="a27f71081dc389c30db863bac8228ba1">
   <xsd:schema xmlns:xsd="http://www.w3.org/2001/XMLSchema" xmlns:xs="http://www.w3.org/2001/XMLSchema" xmlns:p="http://schemas.microsoft.com/office/2006/metadata/properties" xmlns:ns3="31b4c3ca-ad4a-4e52-a17b-d934d9a61e26" xmlns:ns4="75f26c08-3aad-4f63-a3ea-e3ee46286eed" targetNamespace="http://schemas.microsoft.com/office/2006/metadata/properties" ma:root="true" ma:fieldsID="fdbb054ef146c250dba2f7d57eb58f4f" ns3:_="" ns4:_="">
     <xsd:import namespace="31b4c3ca-ad4a-4e52-a17b-d934d9a61e26"/>
@@ -15107,12 +16641,6 @@
 </ct:contentTypeSchema>
 </file>
 
-<file path=customXml/item2.xml><?xml version="1.0" encoding="utf-8"?>
-<p:properties xmlns:p="http://schemas.microsoft.com/office/2006/metadata/properties" xmlns:xsi="http://www.w3.org/2001/XMLSchema-instance" xmlns:pc="http://schemas.microsoft.com/office/infopath/2007/PartnerControls">
-  <documentManagement/>
-</p:properties>
-</file>
-
 <file path=customXml/item3.xml><?xml version="1.0" encoding="utf-8"?>
 <?mso-contentType ?>
 <FormTemplates xmlns="http://schemas.microsoft.com/sharepoint/v3/contenttype/forms">
@@ -15123,6 +16651,15 @@
 </file>
 
 <file path=customXml/itemProps1.xml><?xml version="1.0" encoding="utf-8"?>
+<ds:datastoreItem xmlns:ds="http://schemas.openxmlformats.org/officeDocument/2006/customXml" ds:itemID="{05440E23-0D4B-4B7B-9506-2A3FB51A4F35}">
+  <ds:schemaRefs>
+    <ds:schemaRef ds:uri="http://schemas.microsoft.com/office/2006/metadata/properties"/>
+    <ds:schemaRef ds:uri="http://schemas.microsoft.com/office/infopath/2007/PartnerControls"/>
+  </ds:schemaRefs>
+</ds:datastoreItem>
+</file>
+
+<file path=customXml/itemProps2.xml><?xml version="1.0" encoding="utf-8"?>
 <ds:datastoreItem xmlns:ds="http://schemas.openxmlformats.org/officeDocument/2006/customXml" ds:itemID="{5818D4EB-37E5-4C0C-A24D-BA3A569FCD5E}">
   <ds:schemaRefs>
     <ds:schemaRef ds:uri="http://schemas.microsoft.com/office/2006/metadata/contentType"/>
@@ -15141,15 +16678,6 @@
 </ds:datastoreItem>
 </file>
 
-<file path=customXml/itemProps2.xml><?xml version="1.0" encoding="utf-8"?>
-<ds:datastoreItem xmlns:ds="http://schemas.openxmlformats.org/officeDocument/2006/customXml" ds:itemID="{05440E23-0D4B-4B7B-9506-2A3FB51A4F35}">
-  <ds:schemaRefs>
-    <ds:schemaRef ds:uri="http://schemas.microsoft.com/office/2006/metadata/properties"/>
-    <ds:schemaRef ds:uri="http://schemas.microsoft.com/office/infopath/2007/PartnerControls"/>
-  </ds:schemaRefs>
-</ds:datastoreItem>
-</file>
-
 <file path=customXml/itemProps3.xml><?xml version="1.0" encoding="utf-8"?>
 <ds:datastoreItem xmlns:ds="http://schemas.openxmlformats.org/officeDocument/2006/customXml" ds:itemID="{9877BB86-9281-4A8F-A3EF-ADD1DE6D370B}">
   <ds:schemaRefs>

--- a/MicroPython.pptx
+++ b/MicroPython.pptx
@@ -30,6 +30,8 @@
     <p:sldId id="280" r:id="rId27"/>
     <p:sldId id="281" r:id="rId28"/>
     <p:sldId id="282" r:id="rId29"/>
+    <p:sldId id="283" r:id="rId30"/>
+    <p:sldId id="284" r:id="rId31"/>
   </p:sldIdLst>
   <p:sldSz cx="12192000" cy="6858000"/>
   <p:notesSz cx="6858000" cy="9144000"/>
@@ -1198,7 +1200,7 @@
           <a:p>
             <a:fld id="{68E74BBC-74E9-41F3-85CB-39C0C63125F1}" type="datetimeFigureOut">
               <a:rPr lang="en-NL" smtClean="0"/>
-              <a:t>13/11/2019</a:t>
+              <a:t>11/13/2019</a:t>
             </a:fld>
             <a:endParaRPr lang="en-NL"/>
           </a:p>
@@ -1398,7 +1400,7 @@
           <a:p>
             <a:fld id="{68E74BBC-74E9-41F3-85CB-39C0C63125F1}" type="datetimeFigureOut">
               <a:rPr lang="en-NL" smtClean="0"/>
-              <a:t>13/11/2019</a:t>
+              <a:t>11/13/2019</a:t>
             </a:fld>
             <a:endParaRPr lang="en-NL"/>
           </a:p>
@@ -1608,7 +1610,7 @@
           <a:p>
             <a:fld id="{68E74BBC-74E9-41F3-85CB-39C0C63125F1}" type="datetimeFigureOut">
               <a:rPr lang="en-NL" smtClean="0"/>
-              <a:t>13/11/2019</a:t>
+              <a:t>11/13/2019</a:t>
             </a:fld>
             <a:endParaRPr lang="en-NL"/>
           </a:p>
@@ -1808,7 +1810,7 @@
           <a:p>
             <a:fld id="{68E74BBC-74E9-41F3-85CB-39C0C63125F1}" type="datetimeFigureOut">
               <a:rPr lang="en-NL" smtClean="0"/>
-              <a:t>13/11/2019</a:t>
+              <a:t>11/13/2019</a:t>
             </a:fld>
             <a:endParaRPr lang="en-NL"/>
           </a:p>
@@ -2084,7 +2086,7 @@
           <a:p>
             <a:fld id="{68E74BBC-74E9-41F3-85CB-39C0C63125F1}" type="datetimeFigureOut">
               <a:rPr lang="en-NL" smtClean="0"/>
-              <a:t>13/11/2019</a:t>
+              <a:t>11/13/2019</a:t>
             </a:fld>
             <a:endParaRPr lang="en-NL"/>
           </a:p>
@@ -2352,7 +2354,7 @@
           <a:p>
             <a:fld id="{68E74BBC-74E9-41F3-85CB-39C0C63125F1}" type="datetimeFigureOut">
               <a:rPr lang="en-NL" smtClean="0"/>
-              <a:t>13/11/2019</a:t>
+              <a:t>11/13/2019</a:t>
             </a:fld>
             <a:endParaRPr lang="en-NL"/>
           </a:p>
@@ -2767,7 +2769,7 @@
           <a:p>
             <a:fld id="{68E74BBC-74E9-41F3-85CB-39C0C63125F1}" type="datetimeFigureOut">
               <a:rPr lang="en-NL" smtClean="0"/>
-              <a:t>13/11/2019</a:t>
+              <a:t>11/13/2019</a:t>
             </a:fld>
             <a:endParaRPr lang="en-NL"/>
           </a:p>
@@ -2909,7 +2911,7 @@
           <a:p>
             <a:fld id="{68E74BBC-74E9-41F3-85CB-39C0C63125F1}" type="datetimeFigureOut">
               <a:rPr lang="en-NL" smtClean="0"/>
-              <a:t>13/11/2019</a:t>
+              <a:t>11/13/2019</a:t>
             </a:fld>
             <a:endParaRPr lang="en-NL"/>
           </a:p>
@@ -3022,7 +3024,7 @@
           <a:p>
             <a:fld id="{68E74BBC-74E9-41F3-85CB-39C0C63125F1}" type="datetimeFigureOut">
               <a:rPr lang="en-NL" smtClean="0"/>
-              <a:t>13/11/2019</a:t>
+              <a:t>11/13/2019</a:t>
             </a:fld>
             <a:endParaRPr lang="en-NL"/>
           </a:p>
@@ -3335,7 +3337,7 @@
           <a:p>
             <a:fld id="{68E74BBC-74E9-41F3-85CB-39C0C63125F1}" type="datetimeFigureOut">
               <a:rPr lang="en-NL" smtClean="0"/>
-              <a:t>13/11/2019</a:t>
+              <a:t>11/13/2019</a:t>
             </a:fld>
             <a:endParaRPr lang="en-NL"/>
           </a:p>
@@ -3624,7 +3626,7 @@
           <a:p>
             <a:fld id="{68E74BBC-74E9-41F3-85CB-39C0C63125F1}" type="datetimeFigureOut">
               <a:rPr lang="en-NL" smtClean="0"/>
-              <a:t>13/11/2019</a:t>
+              <a:t>11/13/2019</a:t>
             </a:fld>
             <a:endParaRPr lang="en-NL"/>
           </a:p>
@@ -3867,7 +3869,7 @@
           <a:p>
             <a:fld id="{68E74BBC-74E9-41F3-85CB-39C0C63125F1}" type="datetimeFigureOut">
               <a:rPr lang="en-NL" smtClean="0"/>
-              <a:t>13/11/2019</a:t>
+              <a:t>11/13/2019</a:t>
             </a:fld>
             <a:endParaRPr lang="en-NL"/>
           </a:p>
@@ -10897,6 +10899,235 @@
     <p:extLst>
       <p:ext uri="{BB962C8B-B14F-4D97-AF65-F5344CB8AC3E}">
         <p14:creationId xmlns:p14="http://schemas.microsoft.com/office/powerpoint/2010/main" val="3674413764"/>
+      </p:ext>
+    </p:extLst>
+  </p:cSld>
+  <p:clrMapOvr>
+    <a:masterClrMapping/>
+  </p:clrMapOvr>
+</p:sld>
+</file>
+
+<file path=ppt/slides/slide26.xml><?xml version="1.0" encoding="utf-8"?>
+<p:sld xmlns:a="http://schemas.openxmlformats.org/drawingml/2006/main" xmlns:r="http://schemas.openxmlformats.org/officeDocument/2006/relationships" xmlns:p="http://schemas.openxmlformats.org/presentationml/2006/main">
+  <p:cSld>
+    <p:spTree>
+      <p:nvGrpSpPr>
+        <p:cNvPr id="1" name=""/>
+        <p:cNvGrpSpPr/>
+        <p:nvPr/>
+      </p:nvGrpSpPr>
+      <p:grpSpPr>
+        <a:xfrm>
+          <a:off x="0" y="0"/>
+          <a:ext cx="0" cy="0"/>
+          <a:chOff x="0" y="0"/>
+          <a:chExt cx="0" cy="0"/>
+        </a:xfrm>
+      </p:grpSpPr>
+      <p:sp>
+        <p:nvSpPr>
+          <p:cNvPr id="2" name="Title 1">
+            <a:extLst>
+              <a:ext uri="{FF2B5EF4-FFF2-40B4-BE49-F238E27FC236}">
+                <a16:creationId xmlns:a16="http://schemas.microsoft.com/office/drawing/2014/main" id="{9222F62B-FDE1-429D-80AE-521265864A38}"/>
+              </a:ext>
+            </a:extLst>
+          </p:cNvPr>
+          <p:cNvSpPr>
+            <a:spLocks noGrp="1"/>
+          </p:cNvSpPr>
+          <p:nvPr>
+            <p:ph type="title"/>
+          </p:nvPr>
+        </p:nvSpPr>
+        <p:spPr/>
+        <p:txBody>
+          <a:bodyPr/>
+          <a:lstStyle/>
+          <a:p>
+            <a:r>
+              <a:rPr lang="en-US" dirty="0" err="1"/>
+              <a:t>Neopixel</a:t>
+            </a:r>
+            <a:endParaRPr lang="en-US" dirty="0"/>
+          </a:p>
+        </p:txBody>
+      </p:sp>
+      <p:sp>
+        <p:nvSpPr>
+          <p:cNvPr id="3" name="Content Placeholder 2">
+            <a:extLst>
+              <a:ext uri="{FF2B5EF4-FFF2-40B4-BE49-F238E27FC236}">
+                <a16:creationId xmlns:a16="http://schemas.microsoft.com/office/drawing/2014/main" id="{A13CEE1B-4089-48AF-8DE9-CA04E60AD860}"/>
+              </a:ext>
+            </a:extLst>
+          </p:cNvPr>
+          <p:cNvSpPr>
+            <a:spLocks noGrp="1"/>
+          </p:cNvSpPr>
+          <p:nvPr>
+            <p:ph idx="1"/>
+          </p:nvPr>
+        </p:nvSpPr>
+        <p:spPr/>
+        <p:txBody>
+          <a:bodyPr/>
+          <a:lstStyle/>
+          <a:p>
+            <a:pPr marL="0" indent="0">
+              <a:buNone/>
+            </a:pPr>
+            <a:r>
+              <a:rPr lang="en-US" dirty="0"/>
+              <a:t>import </a:t>
+            </a:r>
+            <a:r>
+              <a:rPr lang="en-US" dirty="0" err="1"/>
+              <a:t>neopixel</a:t>
+            </a:r>
+            <a:r>
+              <a:rPr lang="en-US" dirty="0"/>
+              <a:t> as np</a:t>
+            </a:r>
+          </a:p>
+          <a:p>
+            <a:pPr marL="0" indent="0">
+              <a:buNone/>
+            </a:pPr>
+            <a:endParaRPr lang="en-US" dirty="0"/>
+          </a:p>
+          <a:p>
+            <a:pPr marL="0" indent="0">
+              <a:buNone/>
+            </a:pPr>
+            <a:r>
+              <a:rPr lang="en-US" dirty="0"/>
+              <a:t>x = </a:t>
+            </a:r>
+            <a:r>
+              <a:rPr lang="en-US" dirty="0" err="1"/>
+              <a:t>np.NeoPixel</a:t>
+            </a:r>
+            <a:r>
+              <a:rPr lang="en-US" dirty="0"/>
+              <a:t>(Pin(5), 30)</a:t>
+            </a:r>
+          </a:p>
+          <a:p>
+            <a:pPr marL="0" indent="0">
+              <a:buNone/>
+            </a:pPr>
+            <a:r>
+              <a:rPr lang="en-US" dirty="0"/>
+              <a:t>x[0] = (10,0,0)</a:t>
+            </a:r>
+          </a:p>
+          <a:p>
+            <a:pPr marL="0" indent="0">
+              <a:buNone/>
+            </a:pPr>
+            <a:r>
+              <a:rPr lang="en-US" dirty="0" err="1"/>
+              <a:t>x.write</a:t>
+            </a:r>
+            <a:r>
+              <a:rPr lang="en-US" dirty="0"/>
+              <a:t>()</a:t>
+            </a:r>
+          </a:p>
+        </p:txBody>
+      </p:sp>
+    </p:spTree>
+    <p:extLst>
+      <p:ext uri="{BB962C8B-B14F-4D97-AF65-F5344CB8AC3E}">
+        <p14:creationId xmlns:p14="http://schemas.microsoft.com/office/powerpoint/2010/main" val="2370727274"/>
+      </p:ext>
+    </p:extLst>
+  </p:cSld>
+  <p:clrMapOvr>
+    <a:masterClrMapping/>
+  </p:clrMapOvr>
+</p:sld>
+</file>
+
+<file path=ppt/slides/slide27.xml><?xml version="1.0" encoding="utf-8"?>
+<p:sld xmlns:a="http://schemas.openxmlformats.org/drawingml/2006/main" xmlns:r="http://schemas.openxmlformats.org/officeDocument/2006/relationships" xmlns:p="http://schemas.openxmlformats.org/presentationml/2006/main">
+  <p:cSld>
+    <p:spTree>
+      <p:nvGrpSpPr>
+        <p:cNvPr id="1" name=""/>
+        <p:cNvGrpSpPr/>
+        <p:nvPr/>
+      </p:nvGrpSpPr>
+      <p:grpSpPr>
+        <a:xfrm>
+          <a:off x="0" y="0"/>
+          <a:ext cx="0" cy="0"/>
+          <a:chOff x="0" y="0"/>
+          <a:chExt cx="0" cy="0"/>
+        </a:xfrm>
+      </p:grpSpPr>
+      <p:sp>
+        <p:nvSpPr>
+          <p:cNvPr id="2" name="Title 1">
+            <a:extLst>
+              <a:ext uri="{FF2B5EF4-FFF2-40B4-BE49-F238E27FC236}">
+                <a16:creationId xmlns:a16="http://schemas.microsoft.com/office/drawing/2014/main" id="{153E802E-7566-4FFC-8BED-CB333EFB477A}"/>
+              </a:ext>
+            </a:extLst>
+          </p:cNvPr>
+          <p:cNvSpPr>
+            <a:spLocks noGrp="1"/>
+          </p:cNvSpPr>
+          <p:nvPr>
+            <p:ph type="title"/>
+          </p:nvPr>
+        </p:nvSpPr>
+        <p:spPr/>
+        <p:txBody>
+          <a:bodyPr/>
+          <a:lstStyle/>
+          <a:p>
+            <a:r>
+              <a:rPr lang="en-US" dirty="0"/>
+              <a:t>DHT</a:t>
+            </a:r>
+          </a:p>
+        </p:txBody>
+      </p:sp>
+      <p:sp>
+        <p:nvSpPr>
+          <p:cNvPr id="3" name="Content Placeholder 2">
+            <a:extLst>
+              <a:ext uri="{FF2B5EF4-FFF2-40B4-BE49-F238E27FC236}">
+                <a16:creationId xmlns:a16="http://schemas.microsoft.com/office/drawing/2014/main" id="{B8E66DE2-A939-4E7D-97E9-F037E0CEFB3B}"/>
+              </a:ext>
+            </a:extLst>
+          </p:cNvPr>
+          <p:cNvSpPr>
+            <a:spLocks noGrp="1"/>
+          </p:cNvSpPr>
+          <p:nvPr>
+            <p:ph idx="1"/>
+          </p:nvPr>
+        </p:nvSpPr>
+        <p:spPr/>
+        <p:txBody>
+          <a:bodyPr/>
+          <a:lstStyle/>
+          <a:p>
+            <a:r>
+              <a:rPr lang="en-US" dirty="0"/>
+              <a:t>Out of time. See during the course</a:t>
+            </a:r>
+          </a:p>
+        </p:txBody>
+      </p:sp>
+    </p:spTree>
+    <p:extLst>
+      <p:ext uri="{BB962C8B-B14F-4D97-AF65-F5344CB8AC3E}">
+        <p14:creationId xmlns:p14="http://schemas.microsoft.com/office/powerpoint/2010/main" val="2597549040"/>
       </p:ext>
     </p:extLst>
   </p:cSld>
